--- a/4.2 Преобразование данных.pptx
+++ b/4.2 Преобразование данных.pptx
@@ -4354,6 +4354,17 @@
               <a:rPr lang="en-US" dirty="0"/>
               <a:t>Classwork 6</a:t>
             </a:r>
+          </a:p>
+          <a:p>
+            <a:r>
+              <a:rPr lang="en-US" dirty="0">
+                <a:hlinkClick r:id="rId3"/>
+              </a:rPr>
+              <a:t>http://rpubs.com/tjmahr/dplyr_2015</a:t>
+            </a:r>
+            <a:endParaRPr lang="en-US" dirty="0"/>
+          </a:p>
+          <a:p>
             <a:endParaRPr lang="ru-RU" dirty="0"/>
           </a:p>
         </p:txBody>
